--- a/Final dokumentácia/zimný semester/Tímový projekt.pptx
+++ b/Final dokumentácia/zimný semester/Tímový projekt.pptx
@@ -6766,30 +6766,6 @@
           <a:p>
             <a:pPr lvl="1"/>
             <a:r>
-              <a:rPr lang="sk-SK" i="1" dirty="0"/>
-              <a:t>Normalizácia</a:t>
-            </a:r>
-            <a:r>
-              <a:rPr lang="sk-SK" dirty="0"/>
-              <a:t> </a:t>
-            </a:r>
-            <a:r>
-              <a:rPr lang="sk-SK" dirty="0" err="1"/>
-              <a:t>histogramu</a:t>
-            </a:r>
-            <a:r>
-              <a:rPr lang="sk-SK" dirty="0"/>
-              <a:t> odtlačku </a:t>
-            </a:r>
-            <a:r>
-              <a:rPr lang="sk-SK" dirty="0" smtClean="0"/>
-              <a:t>prsta</a:t>
-            </a:r>
-            <a:endParaRPr lang="sk-SK" dirty="0"/>
-          </a:p>
-          <a:p>
-            <a:pPr lvl="1"/>
-            <a:r>
               <a:rPr lang="sk-SK" i="1" dirty="0" err="1"/>
               <a:t>Gáborov</a:t>
             </a:r>
@@ -6989,7 +6965,7 @@
         </p:blipFill>
         <p:spPr bwMode="auto">
           <a:xfrm>
-            <a:off x="214283" y="2643182"/>
+            <a:off x="214282" y="2500306"/>
             <a:ext cx="624876" cy="1285884"/>
           </a:xfrm>
           <a:prstGeom prst="rect">
